--- a/Deliverable2/PC builder web application.pptx
+++ b/Deliverable2/PC builder web application.pptx
@@ -377,7 +377,7 @@
           <a:p>
             <a:fld id="{ED291B17-9318-49DB-B28B-6E5994AE9581}" type="datetime1">
               <a:rPr lang="en-US" smtClean="0"/>
-              <a:t>10/4/20</a:t>
+              <a:t>10/4/2020</a:t>
             </a:fld>
             <a:endParaRPr lang="en-US" dirty="0"/>
           </a:p>
@@ -603,7 +603,7 @@
           <a:p>
             <a:fld id="{ED291B17-9318-49DB-B28B-6E5994AE9581}" type="datetime1">
               <a:rPr lang="en-US" smtClean="0"/>
-              <a:t>10/4/20</a:t>
+              <a:t>10/4/2020</a:t>
             </a:fld>
             <a:endParaRPr lang="en-US" dirty="0"/>
           </a:p>
@@ -5790,13 +5790,13 @@
           <a:p>
             <a:r>
               <a:rPr lang="en-US" dirty="0"/>
-              <a:t>      A new application is made if developer produce new ideal or there is new technology to create better software. Our team viewed many existing online PC hardware stores, they are either created with older development tool or lacking functions that we need nowadays. </a:t>
+              <a:t>      A new application is made if a developer produces a new idea or when there is new technology to create better software. Our team viewed many existing online PC hardware stores, they are either created with older development tools or lacking functions that we need nowadays. </a:t>
             </a:r>
           </a:p>
           <a:p>
             <a:r>
               <a:rPr lang="en-US" dirty="0"/>
-              <a:t>      Therefore, we are here with a web application that is developed using react and other advanced technologies to achieve smooth browsing  and satisfying functionality. This web app will guide students who have less experience on PC hardware  to pick right gears.  Also, it will help senior PC shopper fulfill their dream of building own pc.</a:t>
+              <a:t>      Therefore, we are here with a web application that is developed using React and other advanced technologies to achieve smooth browsing and satisfying functionality. This web app will guide students and users who have less experience on PC hardware to pick the right parts. Also, it will help experienced PC shoppers fulfill their dream of building their own pc.</a:t>
             </a:r>
           </a:p>
           <a:p>
@@ -6389,7 +6389,7 @@
           <p:nvPr>
             <p:extLst>
               <p:ext uri="{D42A27DB-BD31-4B8C-83A1-F6EECF244321}">
-                <p14:modId xmlns:p14="http://schemas.microsoft.com/office/powerpoint/2010/main" val="3168676044"/>
+                <p14:modId xmlns:p14="http://schemas.microsoft.com/office/powerpoint/2010/main" val="79551705"/>
               </p:ext>
             </p:extLst>
           </p:nvPr>
@@ -6877,7 +6877,7 @@
                     <a:p>
                       <a:r>
                         <a:rPr lang="en-US" dirty="0"/>
-                        <a:t>We had learning firebase and we were trying to connect it to our interface.</a:t>
+                        <a:t>We had started learning firebase and were trying to connect it to our interface.</a:t>
                       </a:r>
                     </a:p>
                   </a:txBody>
@@ -7038,14 +7038,14 @@
           <p:nvPr>
             <p:extLst>
               <p:ext uri="{D42A27DB-BD31-4B8C-83A1-F6EECF244321}">
-                <p14:modId xmlns:p14="http://schemas.microsoft.com/office/powerpoint/2010/main" val="1568786217"/>
+                <p14:modId xmlns:p14="http://schemas.microsoft.com/office/powerpoint/2010/main" val="1863079353"/>
               </p:ext>
             </p:extLst>
           </p:nvPr>
         </p:nvGraphicFramePr>
         <p:xfrm>
           <a:off x="728870" y="3260034"/>
-          <a:ext cx="10694504" cy="2981741"/>
+          <a:ext cx="10694504" cy="3053607"/>
         </p:xfrm>
         <a:graphic>
           <a:graphicData uri="http://schemas.openxmlformats.org/drawingml/2006/table">
@@ -7123,7 +7123,7 @@
                     <a:p>
                       <a:r>
                         <a:rPr lang="en-US" dirty="0"/>
-                        <a:t>When users visit the website, they must first see the main page with login and register window. They can fill the register form if they are new users or login directly.</a:t>
+                        <a:t>When users visit the website, they must first see the main page with login and register window. They can fill the registration form if they are a new user or login directly.</a:t>
                       </a:r>
                     </a:p>
                   </a:txBody>
@@ -7245,7 +7245,7 @@
           <p:nvPr>
             <p:extLst>
               <p:ext uri="{D42A27DB-BD31-4B8C-83A1-F6EECF244321}">
-                <p14:modId xmlns:p14="http://schemas.microsoft.com/office/powerpoint/2010/main" val="3215546028"/>
+                <p14:modId xmlns:p14="http://schemas.microsoft.com/office/powerpoint/2010/main" val="4176399759"/>
               </p:ext>
             </p:extLst>
           </p:nvPr>
@@ -7317,7 +7317,7 @@
                     <a:p>
                       <a:r>
                         <a:rPr lang="en-US" dirty="0"/>
-                        <a:t>As a web app manager, I want new user to have their Email existence checked.</a:t>
+                        <a:t>As a web app manager, I want to verify the existence of a new user’s Email.</a:t>
                       </a:r>
                     </a:p>
                   </a:txBody>
@@ -7347,7 +7347,7 @@
                       </a:pPr>
                       <a:r>
                         <a:rPr lang="en-US" dirty="0"/>
-                        <a:t>When User fill register form and complete registration, an Email with link should be sent to the same Email to verify the account. User must click the link within the Email to complete registration.</a:t>
+                        <a:t>When User fills registration form and completes registration, an Email with link should be sent to the same Email to verify the account. User must click the link within the Email to complete registration.</a:t>
                       </a:r>
                     </a:p>
                   </a:txBody>
@@ -7384,7 +7384,7 @@
                       </a:pPr>
                       <a:r>
                         <a:rPr lang="en-US" dirty="0"/>
-                        <a:t>As a Web admin, I want to login to the website with ability to manage other accounts or create new item.</a:t>
+                        <a:t>As a Web admin, I want to login to the website with ability to manage other accounts or create new items.</a:t>
                       </a:r>
                     </a:p>
                     <a:p>
@@ -7403,7 +7403,7 @@
                     <a:p>
                       <a:r>
                         <a:rPr lang="en-US" dirty="0"/>
-                        <a:t>Once Web admin login, they can click on specialized tab to perform various activities which include: Creating, retrieving, updating and deleting users or products Etc.…</a:t>
+                        <a:t>Once Web admin logs in, they can click on a specialized tab to perform various activities which include: Creating, retrieving, updating and deleting users or products Etc.…</a:t>
                       </a:r>
                     </a:p>
                   </a:txBody>
@@ -7694,7 +7694,7 @@
           <p:nvPr>
             <p:extLst>
               <p:ext uri="{D42A27DB-BD31-4B8C-83A1-F6EECF244321}">
-                <p14:modId xmlns:p14="http://schemas.microsoft.com/office/powerpoint/2010/main" val="2343131654"/>
+                <p14:modId xmlns:p14="http://schemas.microsoft.com/office/powerpoint/2010/main" val="2508782828"/>
               </p:ext>
             </p:extLst>
           </p:nvPr>
@@ -7961,7 +7961,7 @@
                       </a:pPr>
                       <a:r>
                         <a:rPr lang="en-US" sz="1300" dirty="0"/>
-                        <a:t>User should complete registration and redirected to their home page.</a:t>
+                        <a:t>User should complete registration and be redirected to their Home page.</a:t>
                       </a:r>
                     </a:p>
                     <a:p>
@@ -8001,7 +8001,7 @@
                           <a:ea typeface="+mn-ea"/>
                           <a:cs typeface="+mn-cs"/>
                         </a:rPr>
-                        <a:t>Incorrect Password will get an error message: “The password is invalid.</a:t>
+                        <a:t>Incorrect Password will get an error message: “The password is invalid.”</a:t>
                       </a:r>
                     </a:p>
                     <a:p>
@@ -8019,7 +8019,7 @@
                           <a:ea typeface="+mn-ea"/>
                           <a:cs typeface="+mn-cs"/>
                         </a:rPr>
-                        <a:t>After User register, they will be automatically sent to Home page.</a:t>
+                        <a:t>After User registers, they will be automatically sent to Home page.</a:t>
                       </a:r>
                     </a:p>
                   </a:txBody>
@@ -8173,7 +8173,7 @@
                       </a:pPr>
                       <a:r>
                         <a:rPr lang="en-US" sz="1300" dirty="0"/>
-                        <a:t>Message: “ too many attempt” will pop up to prevent bot spam.</a:t>
+                        <a:t>Message: “too many attempts” will pop up to prevent bot spam.</a:t>
                       </a:r>
                     </a:p>
                   </a:txBody>
@@ -8294,7 +8294,7 @@
                       </a:pPr>
                       <a:r>
                         <a:rPr lang="en-US" sz="1300" dirty="0"/>
-                        <a:t>Refresh page will not drop user connection. They will stay login until manually logout.</a:t>
+                        <a:t>Refresh page will not drop user connection. They will stay logged in until manually logged out.</a:t>
                       </a:r>
                     </a:p>
                     <a:p>

--- a/Deliverable2/PC builder web application.pptx
+++ b/Deliverable2/PC builder web application.pptx
@@ -5455,6 +5455,41 @@
           </a:p>
         </p:txBody>
       </p:sp>
+      <p:sp>
+        <p:nvSpPr>
+          <p:cNvPr id="3" name="TextBox 2">
+            <a:extLst>
+              <a:ext uri="{FF2B5EF4-FFF2-40B4-BE49-F238E27FC236}">
+                <a16:creationId xmlns:a16="http://schemas.microsoft.com/office/drawing/2014/main" id="{F3DCF3BF-54A1-4765-B098-3963FB85992E}"/>
+              </a:ext>
+            </a:extLst>
+          </p:cNvPr>
+          <p:cNvSpPr txBox="1"/>
+          <p:nvPr/>
+        </p:nvSpPr>
+        <p:spPr>
+          <a:xfrm>
+            <a:off x="638619" y="2707474"/>
+            <a:ext cx="4419800" cy="369332"/>
+          </a:xfrm>
+          <a:prstGeom prst="rect">
+            <a:avLst/>
+          </a:prstGeom>
+          <a:noFill/>
+        </p:spPr>
+        <p:txBody>
+          <a:bodyPr wrap="none" rtlCol="0">
+            <a:spAutoFit/>
+          </a:bodyPr>
+          <a:lstStyle/>
+          <a:p>
+            <a:r>
+              <a:rPr lang="en-US" dirty="0"/>
+              <a:t>https://github.com/ksong227/CS691TeamDice</a:t>
+            </a:r>
+          </a:p>
+        </p:txBody>
+      </p:sp>
     </p:spTree>
     <p:extLst>
       <p:ext uri="{BB962C8B-B14F-4D97-AF65-F5344CB8AC3E}">
